--- a/slides/ddl-w4l2.pptx
+++ b/slides/ddl-w4l2.pptx
@@ -317,7 +317,7 @@
             <a:fld id="{373F1B60-BDF4-4D63-AD79-99D5A5B1DF99}" type="datetime1">
               <a:rPr lang="en-US"/>
               <a:pPr/>
-              <a:t>11/28/2018</a:t>
+              <a:t>11/29/2018</a:t>
             </a:fld>
             <a:endParaRPr lang="en-US"/>
           </a:p>
@@ -536,7 +536,7 @@
             <a:fld id="{4387A7AA-DFE9-4771-BEDE-3294FCEBFB02}" type="datetime1">
               <a:rPr lang="en-US"/>
               <a:pPr/>
-              <a:t>11/28/2018</a:t>
+              <a:t>11/29/2018</a:t>
             </a:fld>
             <a:endParaRPr lang="en-US"/>
           </a:p>
@@ -927,7 +927,7 @@
             <a:fld id="{8541E2CD-DBF4-40F9-B6F8-EEFD0DF8A138}" type="datetime1">
               <a:rPr lang="en-US"/>
               <a:pPr/>
-              <a:t>11/28/2018</a:t>
+              <a:t>11/29/2018</a:t>
             </a:fld>
             <a:endParaRPr lang="en-US"/>
           </a:p>
@@ -1142,7 +1142,7 @@
             <a:fld id="{93F21019-3A00-48AC-9663-40DF67A83229}" type="datetime1">
               <a:rPr lang="en-US"/>
               <a:pPr/>
-              <a:t>11/28/2018</a:t>
+              <a:t>11/29/2018</a:t>
             </a:fld>
             <a:endParaRPr lang="en-US">
               <a:solidFill>
@@ -1328,7 +1328,7 @@
             <a:fld id="{8B2EF9C8-0AC3-4A53-9A61-1834A571F420}" type="datetime1">
               <a:rPr lang="en-US"/>
               <a:pPr/>
-              <a:t>11/28/2018</a:t>
+              <a:t>11/29/2018</a:t>
             </a:fld>
             <a:endParaRPr lang="en-US" sz="1400">
               <a:solidFill>
@@ -1525,7 +1525,7 @@
             <a:fld id="{F02960F3-A385-4905-A491-FDC17E063DD1}" type="datetime1">
               <a:rPr lang="en-US"/>
               <a:pPr/>
-              <a:t>11/28/2018</a:t>
+              <a:t>11/29/2018</a:t>
             </a:fld>
             <a:endParaRPr lang="en-US" sz="1400">
               <a:solidFill>
@@ -1784,7 +1784,7 @@
             <a:fld id="{CD3AD70A-8E2A-47B5-AC18-ABBB5A8E737D}" type="datetime1">
               <a:rPr lang="en-US"/>
               <a:pPr/>
-              <a:t>11/28/2018</a:t>
+              <a:t>11/29/2018</a:t>
             </a:fld>
             <a:endParaRPr lang="en-US" sz="1400">
               <a:solidFill>
@@ -2020,7 +2020,7 @@
             <a:fld id="{07008C2E-9BD6-496B-BFC3-B4A975EBC85E}" type="datetime1">
               <a:rPr lang="en-US"/>
               <a:pPr/>
-              <a:t>11/28/2018</a:t>
+              <a:t>11/29/2018</a:t>
             </a:fld>
             <a:endParaRPr lang="en-US" sz="1400">
               <a:solidFill>
@@ -2199,7 +2199,7 @@
             <a:fld id="{1AA2C3CF-866C-4FDE-B76D-4E9536901630}" type="datetime1">
               <a:rPr lang="en-US"/>
               <a:pPr/>
-              <a:t>11/28/2018</a:t>
+              <a:t>11/29/2018</a:t>
             </a:fld>
             <a:endParaRPr lang="en-US" sz="1400">
               <a:solidFill>
@@ -2378,7 +2378,7 @@
             <a:fld id="{555EE259-FE08-4558-B721-B189FFE77284}" type="datetime1">
               <a:rPr lang="en-US"/>
               <a:pPr/>
-              <a:t>11/28/2018</a:t>
+              <a:t>11/29/2018</a:t>
             </a:fld>
             <a:endParaRPr lang="en-US" sz="1400">
               <a:solidFill>
@@ -2647,7 +2647,7 @@
             <a:fld id="{0AF4064E-5624-49AB-B7C6-E301A8F6B1FF}" type="datetime1">
               <a:rPr lang="en-US"/>
               <a:pPr/>
-              <a:t>11/28/2018</a:t>
+              <a:t>11/29/2018</a:t>
             </a:fld>
             <a:endParaRPr lang="en-US" sz="1400">
               <a:solidFill>
@@ -2844,7 +2844,7 @@
             <a:fld id="{CBC97FCD-6C54-4833-B032-BFBCDFA8379D}" type="datetime1">
               <a:rPr lang="en-US"/>
               <a:pPr/>
-              <a:t>11/28/2018</a:t>
+              <a:t>11/29/2018</a:t>
             </a:fld>
             <a:endParaRPr lang="en-US" sz="1400">
               <a:solidFill>
@@ -3053,7 +3053,7 @@
             <a:fld id="{F04AA577-515A-431F-98B6-3B03494ABB11}" type="datetime1">
               <a:rPr lang="en-US"/>
               <a:pPr/>
-              <a:t>11/28/2018</a:t>
+              <a:t>11/29/2018</a:t>
             </a:fld>
             <a:endParaRPr lang="en-US" sz="1400">
               <a:solidFill>
@@ -3358,7 +3358,7 @@
             <a:fld id="{6475F1A4-C474-4345-A800-2F40B0E4E70C}" type="datetime1">
               <a:rPr lang="en-US"/>
               <a:pPr/>
-              <a:t>11/28/2018</a:t>
+              <a:t>11/29/2018</a:t>
             </a:fld>
             <a:endParaRPr lang="en-US" sz="1400">
               <a:solidFill>
@@ -3802,7 +3802,7 @@
             <a:fld id="{7BA535AB-820E-4207-9DA8-5F37106C7AF4}" type="datetime1">
               <a:rPr lang="en-US"/>
               <a:pPr/>
-              <a:t>11/28/2018</a:t>
+              <a:t>11/29/2018</a:t>
             </a:fld>
             <a:endParaRPr lang="en-US" sz="1400">
               <a:solidFill>
@@ -3937,7 +3937,7 @@
             <a:fld id="{0A7E69FA-D7EE-42C0-9117-1971B541885F}" type="datetime1">
               <a:rPr lang="en-US"/>
               <a:pPr/>
-              <a:t>11/28/2018</a:t>
+              <a:t>11/29/2018</a:t>
             </a:fld>
             <a:endParaRPr lang="en-US" sz="1400">
               <a:solidFill>
@@ -4049,7 +4049,7 @@
             <a:fld id="{10D7644E-1B5D-4325-BA79-338DF2B89B56}" type="datetime1">
               <a:rPr lang="en-US"/>
               <a:pPr/>
-              <a:t>11/28/2018</a:t>
+              <a:t>11/29/2018</a:t>
             </a:fld>
             <a:endParaRPr lang="en-US" sz="1400">
               <a:solidFill>
@@ -4343,7 +4343,7 @@
             <a:fld id="{B790C882-0B74-4932-8998-E9ABB8AF1740}" type="datetime1">
               <a:rPr lang="en-US"/>
               <a:pPr/>
-              <a:t>11/28/2018</a:t>
+              <a:t>11/29/2018</a:t>
             </a:fld>
             <a:endParaRPr lang="en-US" sz="1400">
               <a:solidFill>
@@ -4613,7 +4613,7 @@
             <a:fld id="{9DC585DC-AE7D-44C1-90AB-C3A391DEA065}" type="datetime1">
               <a:rPr lang="en-US"/>
               <a:pPr/>
-              <a:t>11/28/2018</a:t>
+              <a:t>11/29/2018</a:t>
             </a:fld>
             <a:endParaRPr lang="en-US" sz="1400">
               <a:solidFill>
@@ -4877,7 +4877,7 @@
             <a:fld id="{256CE565-1940-4E5F-9190-C0815CEAAA9D}" type="datetime1">
               <a:rPr lang="en-US"/>
               <a:pPr/>
-              <a:t>11/28/2018</a:t>
+              <a:t>11/29/2018</a:t>
             </a:fld>
             <a:endParaRPr lang="en-US"/>
           </a:p>
@@ -5634,11 +5634,7 @@
             </a:r>
             <a:r>
               <a:rPr lang="nl-NL" sz="2400" dirty="0" smtClean="0"/>
-              <a:t> </a:t>
-            </a:r>
-            <a:r>
-              <a:rPr lang="nl-NL" sz="2400" dirty="0" smtClean="0"/>
-              <a:t>variables</a:t>
+              <a:t> variables</a:t>
             </a:r>
           </a:p>
           <a:p>
@@ -5891,11 +5887,7 @@
             </a:r>
             <a:r>
               <a:rPr lang="nl-NL" sz="2400" dirty="0" smtClean="0"/>
-              <a:t> </a:t>
-            </a:r>
-            <a:r>
-              <a:rPr lang="nl-NL" sz="2400" dirty="0" smtClean="0"/>
-              <a:t>variables</a:t>
+              <a:t> variables</a:t>
             </a:r>
           </a:p>
           <a:p>
@@ -8067,11 +8059,7 @@
             </a:r>
             <a:r>
               <a:rPr lang="nl-NL" sz="2400" dirty="0" smtClean="0"/>
-              <a:t> </a:t>
-            </a:r>
-            <a:r>
-              <a:rPr lang="nl-NL" sz="2400" dirty="0" smtClean="0"/>
-              <a:t>variables</a:t>
+              <a:t> variables</a:t>
             </a:r>
           </a:p>
           <a:p>
@@ -8191,7 +8179,15 @@
             </a:r>
             <a:r>
               <a:rPr lang="nl-NL" dirty="0" smtClean="0"/>
-              <a:t> do: plaatjes vervangen door openbare</a:t>
+              <a:t> do</a:t>
+            </a:r>
+            <a:r>
+              <a:rPr lang="nl-NL" smtClean="0"/>
+              <a:t>: </a:t>
+            </a:r>
+            <a:r>
+              <a:rPr lang="nl-NL" smtClean="0"/>
+              <a:t>openbaar</a:t>
             </a:r>
             <a:endParaRPr lang="nl-NL" dirty="0"/>
           </a:p>
@@ -10563,11 +10559,7 @@
             </a:r>
             <a:r>
               <a:rPr lang="nl-NL" sz="1600" dirty="0" smtClean="0"/>
-              <a:t> </a:t>
-            </a:r>
-            <a:r>
-              <a:rPr lang="nl-NL" sz="1600" dirty="0" smtClean="0"/>
-              <a:t>small (</a:t>
+              <a:t> small (</a:t>
             </a:r>
             <a:r>
               <a:rPr lang="nl-NL" sz="1600" dirty="0" err="1" smtClean="0"/>
@@ -11317,7 +11309,6 @@
               <a:rPr lang="nl-NL" sz="2000" dirty="0" smtClean="0"/>
               <a:t>: t(30) = 5.21, p = 0.012</a:t>
             </a:r>
-            <a:endParaRPr lang="nl-NL" sz="2000" dirty="0" smtClean="0"/>
           </a:p>
           <a:p>
             <a:pPr marL="0" indent="0">
@@ -12051,11 +12042,7 @@
             </a:r>
             <a:r>
               <a:rPr lang="nl-NL" dirty="0" smtClean="0"/>
-              <a:t> </a:t>
-            </a:r>
-            <a:r>
-              <a:rPr lang="nl-NL" dirty="0" smtClean="0"/>
-              <a:t>3: t-test</a:t>
+              <a:t> 3: t-test</a:t>
             </a:r>
             <a:endParaRPr lang="nl-NL" dirty="0"/>
           </a:p>
@@ -12914,7 +12901,6 @@
               <a:rPr lang="nl-NL" dirty="0" smtClean="0"/>
               <a:t> </a:t>
             </a:r>
-            <a:endParaRPr lang="nl-NL" dirty="0" smtClean="0"/>
           </a:p>
           <a:p>
             <a:r>
@@ -13076,11 +13062,7 @@
             </a:r>
             <a:r>
               <a:rPr lang="nl-NL" sz="2400" dirty="0" smtClean="0"/>
-              <a:t> </a:t>
-            </a:r>
-            <a:r>
-              <a:rPr lang="nl-NL" sz="2400" dirty="0" smtClean="0"/>
-              <a:t>variables</a:t>
+              <a:t> variables</a:t>
             </a:r>
           </a:p>
           <a:p>
@@ -13374,11 +13356,7 @@
             <a:pPr lvl="1"/>
             <a:r>
               <a:rPr lang="nl-NL" sz="2000" dirty="0" smtClean="0"/>
-              <a:t>independent </a:t>
-            </a:r>
-            <a:r>
-              <a:rPr lang="nl-NL" sz="2000" dirty="0" smtClean="0"/>
-              <a:t>variables: </a:t>
+              <a:t>independent variables: </a:t>
             </a:r>
             <a:r>
               <a:rPr lang="nl-NL" sz="2000" dirty="0" err="1" smtClean="0"/>
@@ -13521,11 +13499,7 @@
             </a:r>
             <a:r>
               <a:rPr lang="nl-NL" sz="2000" dirty="0" smtClean="0"/>
-              <a:t>(X) </a:t>
-            </a:r>
-            <a:r>
-              <a:rPr lang="nl-NL" sz="2000" dirty="0" smtClean="0"/>
-              <a:t>are </a:t>
+              <a:t>(X) are </a:t>
             </a:r>
             <a:r>
               <a:rPr lang="nl-NL" sz="2000" dirty="0" err="1" smtClean="0"/>
